--- a/HackerLoL.pptx
+++ b/HackerLoL.pptx
@@ -6911,7 +6911,19 @@
                 <a:ea typeface="Calibri" panose="020F0502020204030204" pitchFamily="34" charset="0"/>
                 <a:cs typeface="Times New Roman" panose="02020603050405020304" pitchFamily="18" charset="0"/>
               </a:rPr>
-              <a:t>- Scripting language for backend development: Python.</a:t>
+              <a:t>- Scripting language for backend development</a:t>
+            </a:r>
+            <a:r>
+              <a:rPr lang="en-IN" sz="1800">
+                <a:solidFill>
+                  <a:schemeClr val="tx1"/>
+                </a:solidFill>
+                <a:effectLst/>
+                <a:latin typeface="Candara" panose="020E0502030303020204" pitchFamily="34" charset="0"/>
+                <a:ea typeface="Calibri" panose="020F0502020204030204" pitchFamily="34" charset="0"/>
+                <a:cs typeface="Times New Roman" panose="02020603050405020304" pitchFamily="18" charset="0"/>
+              </a:rPr>
+              <a:t>: JavaScript.</a:t>
             </a:r>
             <a:br>
               <a:rPr lang="en-IN" sz="1800" dirty="0">
